--- a/QRE2020.pptx
+++ b/QRE2020.pptx
@@ -3122,7 +3122,7 @@
           </a:ln>
           <a:extLst>
             <a:ext uri="{C572A759-6A51-4108-AA02-DFA0A04FC94B}">
-              <ma14:wrappingTextBoxFlag xmlns="" xmlns:m="http://schemas.openxmlformats.org/officeDocument/2006/math" xmlns:a14="http://schemas.microsoft.com/office/drawing/2010/main" xmlns:ma14="http://schemas.microsoft.com/office/mac/drawingml/2011/main" val="1"/>
+              <ma14:wrappingTextBoxFlag xmlns:ma14="http://schemas.microsoft.com/office/mac/drawingml/2011/main" xmlns:a14="http://schemas.microsoft.com/office/drawing/2010/main" xmlns:m="http://schemas.openxmlformats.org/officeDocument/2006/math" xmlns="" val="1"/>
             </a:ext>
           </a:extLst>
         </p:spPr>
@@ -3159,7 +3159,7 @@
           </a:ln>
           <a:extLst>
             <a:ext uri="{C572A759-6A51-4108-AA02-DFA0A04FC94B}">
-              <ma14:wrappingTextBoxFlag xmlns="" xmlns:m="http://schemas.openxmlformats.org/officeDocument/2006/math" xmlns:a14="http://schemas.microsoft.com/office/drawing/2010/main" xmlns:ma14="http://schemas.microsoft.com/office/mac/drawingml/2011/main" val="1"/>
+              <ma14:wrappingTextBoxFlag xmlns:ma14="http://schemas.microsoft.com/office/mac/drawingml/2011/main" xmlns:a14="http://schemas.microsoft.com/office/drawing/2010/main" xmlns:m="http://schemas.openxmlformats.org/officeDocument/2006/math" xmlns="" val="1"/>
             </a:ext>
           </a:extLst>
         </p:spPr>
@@ -4097,8 +4097,8 @@
         </p:nvSpPr>
         <p:spPr>
           <a:xfrm>
-            <a:off x="766209" y="9918234"/>
-            <a:ext cx="28851958" cy="24201497"/>
+            <a:off x="766208" y="13235543"/>
+            <a:ext cx="28851958" cy="23001168"/>
           </a:xfrm>
           <a:prstGeom prst="rect">
             <a:avLst/>
@@ -4108,7 +4108,7 @@
           </a:ln>
           <a:extLst>
             <a:ext uri="{C572A759-6A51-4108-AA02-DFA0A04FC94B}">
-              <ma14:wrappingTextBoxFlag xmlns="" xmlns:m="http://schemas.openxmlformats.org/officeDocument/2006/math" xmlns:a14="http://schemas.microsoft.com/office/drawing/2010/main" xmlns:ma14="http://schemas.microsoft.com/office/mac/drawingml/2011/main" val="1"/>
+              <ma14:wrappingTextBoxFlag xmlns:ma14="http://schemas.microsoft.com/office/mac/drawingml/2011/main" xmlns:a14="http://schemas.microsoft.com/office/drawing/2010/main" xmlns:m="http://schemas.openxmlformats.org/officeDocument/2006/math" xmlns="" val="1"/>
             </a:ext>
           </a:extLst>
         </p:spPr>
@@ -4130,35 +4130,35 @@
               </a:defRPr>
             </a:pPr>
             <a:r>
-              <a:rPr sz="5400" dirty="0">
+              <a:rPr sz="4800" dirty="0">
                 <a:latin typeface="Helvetica" panose="020B0604020202020204" pitchFamily="34" charset="0"/>
                 <a:cs typeface="Helvetica" panose="020B0604020202020204" pitchFamily="34" charset="0"/>
               </a:rPr>
               <a:t>Quantum computation has a growing number of promising application areas such as quantum chemistry, quantum </a:t>
             </a:r>
             <a:r>
-              <a:rPr sz="5400" dirty="0" err="1">
+              <a:rPr sz="4800" dirty="0" err="1">
                 <a:latin typeface="Helvetica" panose="020B0604020202020204" pitchFamily="34" charset="0"/>
                 <a:cs typeface="Helvetica" panose="020B0604020202020204" pitchFamily="34" charset="0"/>
               </a:rPr>
               <a:t>optimisation</a:t>
             </a:r>
             <a:r>
-              <a:rPr sz="5400" dirty="0">
+              <a:rPr sz="4800" dirty="0">
                 <a:latin typeface="Helvetica" panose="020B0604020202020204" pitchFamily="34" charset="0"/>
                 <a:cs typeface="Helvetica" panose="020B0604020202020204" pitchFamily="34" charset="0"/>
               </a:rPr>
               <a:t> and finance. However, the first industrially relevant and scalable quantum computer seems to be at least a decade away. Therefore, one of the most pressing questions is "</a:t>
             </a:r>
             <a:r>
-              <a:rPr sz="5400" b="1" dirty="0">
+              <a:rPr sz="4800" b="1" dirty="0">
                 <a:latin typeface="Helvetica" panose="020B0604020202020204" pitchFamily="34" charset="0"/>
                 <a:cs typeface="Helvetica" panose="020B0604020202020204" pitchFamily="34" charset="0"/>
               </a:rPr>
               <a:t>How many physical qubits and how much time is necessary to execute a quantum algorithm on a selected hardware platform where the algorithmic output is more important than the fact a quantum computer was used to calculate it?</a:t>
             </a:r>
             <a:r>
-              <a:rPr sz="5400" dirty="0">
+              <a:rPr sz="4800" dirty="0">
                 <a:latin typeface="Helvetica" panose="020B0604020202020204" pitchFamily="34" charset="0"/>
                 <a:cs typeface="Helvetica" panose="020B0604020202020204" pitchFamily="34" charset="0"/>
               </a:rPr>
@@ -4177,7 +4177,7 @@
                 <a:sym typeface="Helvetica"/>
               </a:defRPr>
             </a:pPr>
-            <a:endParaRPr sz="5400" dirty="0">
+            <a:endParaRPr sz="4800" dirty="0">
               <a:solidFill>
                 <a:srgbClr val="000000"/>
               </a:solidFill>
@@ -4198,28 +4198,28 @@
               </a:defRPr>
             </a:pPr>
             <a:r>
-              <a:rPr sz="5400" dirty="0" smtClean="0">
+              <a:rPr sz="4800" dirty="0" smtClean="0">
                 <a:latin typeface="Helvetica" panose="020B0604020202020204" pitchFamily="34" charset="0"/>
                 <a:cs typeface="Helvetica" panose="020B0604020202020204" pitchFamily="34" charset="0"/>
               </a:rPr>
               <a:t>The </a:t>
             </a:r>
             <a:r>
-              <a:rPr sz="5400" dirty="0">
+              <a:rPr sz="4800" dirty="0">
                 <a:latin typeface="Helvetica" panose="020B0604020202020204" pitchFamily="34" charset="0"/>
                 <a:cs typeface="Helvetica" panose="020B0604020202020204" pitchFamily="34" charset="0"/>
               </a:rPr>
               <a:t>workshop will bring together researchers to discuss new methods and directions needed to </a:t>
             </a:r>
             <a:r>
-              <a:rPr sz="5400" dirty="0" smtClean="0">
+              <a:rPr sz="4800" dirty="0" smtClean="0">
                 <a:latin typeface="Helvetica" panose="020B0604020202020204" pitchFamily="34" charset="0"/>
                 <a:cs typeface="Helvetica" panose="020B0604020202020204" pitchFamily="34" charset="0"/>
               </a:rPr>
               <a:t>develop </a:t>
             </a:r>
             <a:r>
-              <a:rPr sz="5400" dirty="0">
+              <a:rPr sz="4800" dirty="0">
                 <a:latin typeface="Helvetica" panose="020B0604020202020204" pitchFamily="34" charset="0"/>
                 <a:cs typeface="Helvetica" panose="020B0604020202020204" pitchFamily="34" charset="0"/>
               </a:rPr>
@@ -4245,20 +4245,20 @@
               </a:defRPr>
             </a:pPr>
             <a:r>
-              <a:rPr sz="5400" dirty="0" smtClean="0">
+              <a:rPr sz="4800" dirty="0" smtClean="0">
                 <a:latin typeface="Helvetica" panose="020B0604020202020204" pitchFamily="34" charset="0"/>
                 <a:cs typeface="Helvetica" panose="020B0604020202020204" pitchFamily="34" charset="0"/>
               </a:rPr>
               <a:t>accurately </a:t>
             </a:r>
             <a:r>
-              <a:rPr sz="5400" dirty="0">
+              <a:rPr sz="4800" dirty="0">
                 <a:latin typeface="Helvetica" panose="020B0604020202020204" pitchFamily="34" charset="0"/>
                 <a:cs typeface="Helvetica" panose="020B0604020202020204" pitchFamily="34" charset="0"/>
               </a:rPr>
               <a:t>analyze and benchmark complex quantum algorithms</a:t>
             </a:r>
-            <a:endParaRPr sz="5400" dirty="0">
+            <a:endParaRPr sz="4800" dirty="0">
               <a:solidFill>
                 <a:srgbClr val="000000"/>
               </a:solidFill>
@@ -4285,13 +4285,13 @@
               </a:defRPr>
             </a:pPr>
             <a:r>
-              <a:rPr sz="5400" dirty="0">
+              <a:rPr sz="4800" dirty="0">
                 <a:latin typeface="Helvetica" panose="020B0604020202020204" pitchFamily="34" charset="0"/>
                 <a:cs typeface="Helvetica" panose="020B0604020202020204" pitchFamily="34" charset="0"/>
               </a:rPr>
               <a:t>adapt error-correction techniques</a:t>
             </a:r>
-            <a:endParaRPr sz="5400" dirty="0">
+            <a:endParaRPr sz="4800" dirty="0">
               <a:solidFill>
                 <a:srgbClr val="000000"/>
               </a:solidFill>
@@ -4318,13 +4318,13 @@
               </a:defRPr>
             </a:pPr>
             <a:r>
-              <a:rPr sz="5400" dirty="0">
+              <a:rPr sz="4800" dirty="0">
                 <a:latin typeface="Helvetica" panose="020B0604020202020204" pitchFamily="34" charset="0"/>
                 <a:cs typeface="Helvetica" panose="020B0604020202020204" pitchFamily="34" charset="0"/>
               </a:rPr>
               <a:t>refine classical control and hardware microarchitectures</a:t>
             </a:r>
-            <a:endParaRPr sz="5400" dirty="0">
+            <a:endParaRPr sz="4800" dirty="0">
               <a:solidFill>
                 <a:srgbClr val="000000"/>
               </a:solidFill>
@@ -4351,27 +4351,27 @@
               </a:defRPr>
             </a:pPr>
             <a:r>
-              <a:rPr sz="5400" dirty="0">
+              <a:rPr sz="4800" dirty="0">
                 <a:latin typeface="Helvetica" panose="020B0604020202020204" pitchFamily="34" charset="0"/>
                 <a:cs typeface="Helvetica" panose="020B0604020202020204" pitchFamily="34" charset="0"/>
               </a:rPr>
               <a:t>enable scientifically and commercially </a:t>
             </a:r>
             <a:r>
-              <a:rPr sz="5400" dirty="0" smtClean="0">
+              <a:rPr sz="4800" dirty="0" smtClean="0">
                 <a:latin typeface="Helvetica" panose="020B0604020202020204" pitchFamily="34" charset="0"/>
                 <a:cs typeface="Helvetica" panose="020B0604020202020204" pitchFamily="34" charset="0"/>
               </a:rPr>
               <a:t>relevant </a:t>
             </a:r>
             <a:r>
-              <a:rPr sz="5400" dirty="0">
+              <a:rPr sz="4800" dirty="0">
                 <a:latin typeface="Helvetica" panose="020B0604020202020204" pitchFamily="34" charset="0"/>
                 <a:cs typeface="Helvetica" panose="020B0604020202020204" pitchFamily="34" charset="0"/>
               </a:rPr>
               <a:t>quantum applications</a:t>
             </a:r>
-            <a:endParaRPr sz="5400" dirty="0">
+            <a:endParaRPr sz="4800" dirty="0">
               <a:solidFill>
                 <a:srgbClr val="000000"/>
               </a:solidFill>
@@ -4391,7 +4391,7 @@
                 <a:sym typeface="Helvetica"/>
               </a:defRPr>
             </a:pPr>
-            <a:endParaRPr sz="5400" dirty="0">
+            <a:endParaRPr sz="4800" dirty="0">
               <a:solidFill>
                 <a:srgbClr val="000000"/>
               </a:solidFill>
@@ -4412,21 +4412,21 @@
               </a:defRPr>
             </a:pPr>
             <a:r>
-              <a:rPr sz="5400" dirty="0">
+              <a:rPr sz="4800" dirty="0">
                 <a:latin typeface="Helvetica" panose="020B0604020202020204" pitchFamily="34" charset="0"/>
                 <a:cs typeface="Helvetica" panose="020B0604020202020204" pitchFamily="34" charset="0"/>
               </a:rPr>
               <a:t>Research papers, tutorials, software and other demonstrations, and work-in-progress reports are within the scope of the workshop. Invited talks by leading international experts will complete the program. Contributions on </a:t>
             </a:r>
             <a:r>
-              <a:rPr sz="5400" dirty="0" smtClean="0">
+              <a:rPr sz="4800" dirty="0" smtClean="0">
                 <a:latin typeface="Helvetica" panose="020B0604020202020204" pitchFamily="34" charset="0"/>
                 <a:cs typeface="Helvetica" panose="020B0604020202020204" pitchFamily="34" charset="0"/>
               </a:rPr>
               <a:t>areas </a:t>
             </a:r>
             <a:r>
-              <a:rPr sz="5400" dirty="0">
+              <a:rPr sz="4800" dirty="0">
                 <a:latin typeface="Helvetica" panose="020B0604020202020204" pitchFamily="34" charset="0"/>
                 <a:cs typeface="Helvetica" panose="020B0604020202020204" pitchFamily="34" charset="0"/>
               </a:rPr>
@@ -4452,20 +4452,20 @@
               </a:defRPr>
             </a:pPr>
             <a:r>
-              <a:rPr sz="5400" dirty="0" smtClean="0">
+              <a:rPr sz="4800" dirty="0" smtClean="0">
                 <a:latin typeface="Helvetica" panose="020B0604020202020204" pitchFamily="34" charset="0"/>
                 <a:cs typeface="Helvetica" panose="020B0604020202020204" pitchFamily="34" charset="0"/>
               </a:rPr>
               <a:t>High </a:t>
             </a:r>
             <a:r>
-              <a:rPr sz="5400" dirty="0">
+              <a:rPr sz="4800" dirty="0">
                 <a:latin typeface="Helvetica" panose="020B0604020202020204" pitchFamily="34" charset="0"/>
                 <a:cs typeface="Helvetica" panose="020B0604020202020204" pitchFamily="34" charset="0"/>
               </a:rPr>
               <a:t>level quantum circuit analytics.</a:t>
             </a:r>
-            <a:endParaRPr sz="5400" dirty="0">
+            <a:endParaRPr sz="4800" dirty="0">
               <a:solidFill>
                 <a:srgbClr val="000000"/>
               </a:solidFill>
@@ -4492,13 +4492,13 @@
               </a:defRPr>
             </a:pPr>
             <a:r>
-              <a:rPr sz="5400" dirty="0">
+              <a:rPr sz="4800" dirty="0">
                 <a:latin typeface="Helvetica" panose="020B0604020202020204" pitchFamily="34" charset="0"/>
                 <a:cs typeface="Helvetica" panose="020B0604020202020204" pitchFamily="34" charset="0"/>
               </a:rPr>
               <a:t>Fault-tolerant quantum circuit analytics.</a:t>
             </a:r>
-            <a:endParaRPr sz="5400" dirty="0">
+            <a:endParaRPr sz="4800" dirty="0">
               <a:solidFill>
                 <a:srgbClr val="000000"/>
               </a:solidFill>
@@ -4525,34 +4525,34 @@
               </a:defRPr>
             </a:pPr>
             <a:r>
-              <a:rPr sz="5400" dirty="0" err="1">
+              <a:rPr sz="4800" dirty="0" err="1">
                 <a:latin typeface="Helvetica" panose="020B0604020202020204" pitchFamily="34" charset="0"/>
                 <a:cs typeface="Helvetica" panose="020B0604020202020204" pitchFamily="34" charset="0"/>
               </a:rPr>
               <a:t>Clifford+T</a:t>
             </a:r>
             <a:r>
-              <a:rPr sz="5400" dirty="0">
+              <a:rPr sz="4800" dirty="0">
                 <a:latin typeface="Helvetica" panose="020B0604020202020204" pitchFamily="34" charset="0"/>
                 <a:cs typeface="Helvetica" panose="020B0604020202020204" pitchFamily="34" charset="0"/>
               </a:rPr>
               <a:t> </a:t>
             </a:r>
             <a:r>
-              <a:rPr sz="5400" dirty="0" err="1">
+              <a:rPr sz="4800" dirty="0" err="1">
                 <a:latin typeface="Helvetica" panose="020B0604020202020204" pitchFamily="34" charset="0"/>
                 <a:cs typeface="Helvetica" panose="020B0604020202020204" pitchFamily="34" charset="0"/>
               </a:rPr>
               <a:t>optimisation</a:t>
             </a:r>
             <a:r>
-              <a:rPr sz="5400" dirty="0">
+              <a:rPr sz="4800" dirty="0">
                 <a:latin typeface="Helvetica" panose="020B0604020202020204" pitchFamily="34" charset="0"/>
                 <a:cs typeface="Helvetica" panose="020B0604020202020204" pitchFamily="34" charset="0"/>
               </a:rPr>
               <a:t> strategies.</a:t>
             </a:r>
-            <a:endParaRPr sz="5400" dirty="0">
+            <a:endParaRPr sz="4800" dirty="0">
               <a:solidFill>
                 <a:srgbClr val="000000"/>
               </a:solidFill>
@@ -4579,13 +4579,13 @@
               </a:defRPr>
             </a:pPr>
             <a:r>
-              <a:rPr sz="5400" dirty="0">
+              <a:rPr sz="4800" dirty="0">
                 <a:latin typeface="Helvetica" panose="020B0604020202020204" pitchFamily="34" charset="0"/>
                 <a:cs typeface="Helvetica" panose="020B0604020202020204" pitchFamily="34" charset="0"/>
               </a:rPr>
               <a:t>Resource efficient surface code implementations.</a:t>
             </a:r>
-            <a:endParaRPr sz="5400" dirty="0">
+            <a:endParaRPr sz="4800" dirty="0">
               <a:solidFill>
                 <a:srgbClr val="000000"/>
               </a:solidFill>
@@ -4612,13 +4612,13 @@
               </a:defRPr>
             </a:pPr>
             <a:r>
-              <a:rPr sz="5400" dirty="0">
+              <a:rPr sz="4800" dirty="0">
                 <a:latin typeface="Helvetica" panose="020B0604020202020204" pitchFamily="34" charset="0"/>
                 <a:cs typeface="Helvetica" panose="020B0604020202020204" pitchFamily="34" charset="0"/>
               </a:rPr>
               <a:t>Surface code decoders.</a:t>
             </a:r>
-            <a:endParaRPr sz="5400" dirty="0">
+            <a:endParaRPr sz="4800" dirty="0">
               <a:solidFill>
                 <a:srgbClr val="000000"/>
               </a:solidFill>
@@ -4645,13 +4645,13 @@
               </a:defRPr>
             </a:pPr>
             <a:r>
-              <a:rPr sz="5400" dirty="0">
+              <a:rPr sz="4800" dirty="0">
                 <a:latin typeface="Helvetica" panose="020B0604020202020204" pitchFamily="34" charset="0"/>
                 <a:cs typeface="Helvetica" panose="020B0604020202020204" pitchFamily="34" charset="0"/>
               </a:rPr>
               <a:t>Practical quantitative analysis of surface code alternatives.</a:t>
             </a:r>
-            <a:endParaRPr sz="5400" dirty="0">
+            <a:endParaRPr sz="4800" dirty="0">
               <a:solidFill>
                 <a:srgbClr val="000000"/>
               </a:solidFill>
@@ -4678,13 +4678,13 @@
               </a:defRPr>
             </a:pPr>
             <a:r>
-              <a:rPr sz="5400" dirty="0">
+              <a:rPr sz="4800" dirty="0">
                 <a:latin typeface="Helvetica" panose="020B0604020202020204" pitchFamily="34" charset="0"/>
                 <a:cs typeface="Helvetica" panose="020B0604020202020204" pitchFamily="34" charset="0"/>
               </a:rPr>
               <a:t>Noisy Intermediate Scale Quantum (NISQ) evaluation.</a:t>
             </a:r>
-            <a:endParaRPr sz="5400" dirty="0">
+            <a:endParaRPr sz="4800" dirty="0">
               <a:solidFill>
                 <a:srgbClr val="000000"/>
               </a:solidFill>
@@ -4704,7 +4704,7 @@
                 <a:sym typeface="Helvetica"/>
               </a:defRPr>
             </a:pPr>
-            <a:endParaRPr lang="en-US" sz="5400" dirty="0" smtClean="0">
+            <a:endParaRPr lang="en-US" sz="4800" dirty="0" smtClean="0">
               <a:latin typeface="Helvetica" panose="020B0604020202020204" pitchFamily="34" charset="0"/>
               <a:cs typeface="Helvetica" panose="020B0604020202020204" pitchFamily="34" charset="0"/>
             </a:endParaRPr>
@@ -4722,116 +4722,30 @@
               </a:defRPr>
             </a:pPr>
             <a:r>
-              <a:rPr sz="5400" dirty="0" smtClean="0">
+              <a:rPr lang="en-US" sz="4800" dirty="0">
                 <a:latin typeface="Helvetica" panose="020B0604020202020204" pitchFamily="34" charset="0"/>
                 <a:cs typeface="Helvetica" panose="020B0604020202020204" pitchFamily="34" charset="0"/>
               </a:rPr>
-              <a:t>Upon acceptance</a:t>
-            </a:r>
-            <a:r>
-              <a:rPr lang="en-US" sz="5400" dirty="0" smtClean="0">
+              <a:t>Initial submission for QRE2020 will consist of an extended abstract, limited to 2+epsilon-pages (including figures and references, please don't go nuts with the epsilon!). Contributions must be written in English and report on original, unpublished work, not submitted for publication </a:t>
+            </a:r>
+            <a:r>
+              <a:rPr lang="en-US" sz="4800" dirty="0" smtClean="0">
                 <a:latin typeface="Helvetica" panose="020B0604020202020204" pitchFamily="34" charset="0"/>
                 <a:cs typeface="Helvetica" panose="020B0604020202020204" pitchFamily="34" charset="0"/>
               </a:rPr>
-              <a:t> of an extended abstract (approx. 2 pages)</a:t>
-            </a:r>
-            <a:r>
-              <a:rPr sz="5400" dirty="0" smtClean="0">
+              <a:t>elsewhere. Upon </a:t>
+            </a:r>
+            <a:r>
+              <a:rPr lang="en-US" sz="4800" dirty="0">
                 <a:latin typeface="Helvetica" panose="020B0604020202020204" pitchFamily="34" charset="0"/>
                 <a:cs typeface="Helvetica" panose="020B0604020202020204" pitchFamily="34" charset="0"/>
               </a:rPr>
-              <a:t>, </a:t>
-            </a:r>
-            <a:r>
-              <a:rPr sz="5400" dirty="0">
-                <a:latin typeface="Helvetica" panose="020B0604020202020204" pitchFamily="34" charset="0"/>
-                <a:cs typeface="Helvetica" panose="020B0604020202020204" pitchFamily="34" charset="0"/>
-              </a:rPr>
-              <a:t>researchers are invited to submit full research papers (maximum 12 pages), as well as work-in-progress or tool demonstration papers (maximum 6 pages). Accepted full papers will be published in a journal (subject to the journal being approved - IEEE Transactions on Quantum Engineering; </a:t>
-            </a:r>
-            <a:r>
-              <a:rPr sz="5400" dirty="0" smtClean="0">
-                <a:latin typeface="Helvetica" panose="020B0604020202020204" pitchFamily="34" charset="0"/>
-                <a:cs typeface="Helvetica" panose="020B0604020202020204" pitchFamily="34" charset="0"/>
-              </a:rPr>
-              <a:t>a </a:t>
-            </a:r>
-            <a:r>
-              <a:rPr sz="5400" dirty="0">
-                <a:latin typeface="Helvetica" panose="020B0604020202020204" pitchFamily="34" charset="0"/>
-                <a:cs typeface="Helvetica" panose="020B0604020202020204" pitchFamily="34" charset="0"/>
-              </a:rPr>
-              <a:t>backup </a:t>
-            </a:r>
-            <a:r>
-              <a:rPr lang="en-US" sz="5400" dirty="0" smtClean="0">
-                <a:latin typeface="Helvetica" panose="020B0604020202020204" pitchFamily="34" charset="0"/>
-                <a:cs typeface="Helvetica" panose="020B0604020202020204" pitchFamily="34" charset="0"/>
-              </a:rPr>
-              <a:t>T</a:t>
-            </a:r>
-            <a:r>
-              <a:rPr sz="5400" dirty="0" smtClean="0">
-                <a:latin typeface="Helvetica" panose="020B0604020202020204" pitchFamily="34" charset="0"/>
-                <a:cs typeface="Helvetica" panose="020B0604020202020204" pitchFamily="34" charset="0"/>
-              </a:rPr>
-              <a:t>BD </a:t>
-            </a:r>
-            <a:r>
-              <a:rPr sz="5400" dirty="0">
-                <a:latin typeface="Helvetica" panose="020B0604020202020204" pitchFamily="34" charset="0"/>
-                <a:cs typeface="Helvetica" panose="020B0604020202020204" pitchFamily="34" charset="0"/>
-              </a:rPr>
-              <a:t>exists).</a:t>
-            </a:r>
-          </a:p>
-        </p:txBody>
-      </p:sp>
-      <p:sp>
-        <p:nvSpPr>
-          <p:cNvPr id="174" name="CALL FOR PAPERS"/>
-          <p:cNvSpPr txBox="1"/>
-          <p:nvPr/>
-        </p:nvSpPr>
-        <p:spPr>
-          <a:xfrm>
-            <a:off x="9028554" y="8359928"/>
-            <a:ext cx="12219692" cy="1641475"/>
-          </a:xfrm>
-          <a:prstGeom prst="rect">
-            <a:avLst/>
-          </a:prstGeom>
-          <a:ln w="12700">
-            <a:miter lim="400000"/>
-          </a:ln>
-          <a:extLst>
-            <a:ext uri="{C572A759-6A51-4108-AA02-DFA0A04FC94B}">
-              <ma14:wrappingTextBoxFlag xmlns="" xmlns:m="http://schemas.openxmlformats.org/officeDocument/2006/math" xmlns:a14="http://schemas.microsoft.com/office/drawing/2010/main" xmlns:ma14="http://schemas.microsoft.com/office/mac/drawingml/2011/main" val="1"/>
-            </a:ext>
-          </a:extLst>
-        </p:spPr>
-        <p:txBody>
-          <a:bodyPr wrap="none" lIns="50800" tIns="50800" rIns="50800" bIns="50800" anchor="ctr">
-            <a:spAutoFit/>
-          </a:bodyPr>
-          <a:lstStyle>
-            <a:lvl1pPr>
-              <a:defRPr sz="10000">
-                <a:solidFill>
-                  <a:schemeClr val="accent5">
-                    <a:hueOff val="-608019"/>
-                    <a:satOff val="-16379"/>
-                    <a:lumOff val="25127"/>
-                  </a:schemeClr>
-                </a:solidFill>
-              </a:defRPr>
-            </a:lvl1pPr>
-          </a:lstStyle>
-          <a:p>
-            <a:r>
-              <a:rPr b="1" dirty="0"/>
-              <a:t>CALL FOR PAPERS</a:t>
-            </a:r>
+              <a:t>acceptance, researchers are invited to submit full research papers (maximum 12 pages), as well as work-in-progress or tool demonstration papers (maximum 6 pages). The best papers will be selected to appear in IEEE Transactions on Quantum Engineering.</a:t>
+            </a:r>
+            <a:endParaRPr sz="4800" dirty="0">
+              <a:latin typeface="Helvetica" panose="020B0604020202020204" pitchFamily="34" charset="0"/>
+              <a:cs typeface="Helvetica" panose="020B0604020202020204" pitchFamily="34" charset="0"/>
+            </a:endParaRPr>
           </a:p>
         </p:txBody>
       </p:sp>
@@ -4843,8 +4757,8 @@
         </p:nvSpPr>
         <p:spPr>
           <a:xfrm>
-            <a:off x="273613" y="34647621"/>
-            <a:ext cx="16845677" cy="3759201"/>
+            <a:off x="620482" y="36884549"/>
+            <a:ext cx="16845677" cy="3057247"/>
           </a:xfrm>
           <a:prstGeom prst="rect">
             <a:avLst/>
@@ -4854,7 +4768,7 @@
           </a:ln>
           <a:extLst>
             <a:ext uri="{C572A759-6A51-4108-AA02-DFA0A04FC94B}">
-              <ma14:wrappingTextBoxFlag xmlns="" xmlns:m="http://schemas.openxmlformats.org/officeDocument/2006/math" xmlns:a14="http://schemas.microsoft.com/office/drawing/2010/main" xmlns:ma14="http://schemas.microsoft.com/office/mac/drawingml/2011/main" val="1"/>
+              <ma14:wrappingTextBoxFlag xmlns:ma14="http://schemas.microsoft.com/office/mac/drawingml/2011/main" xmlns:a14="http://schemas.microsoft.com/office/drawing/2010/main" xmlns:m="http://schemas.openxmlformats.org/officeDocument/2006/math" xmlns="" val="1"/>
             </a:ext>
           </a:extLst>
         </p:spPr>
@@ -4876,11 +4790,11 @@
               </a:defRPr>
             </a:pPr>
             <a:r>
-              <a:rPr b="1" dirty="0"/>
+              <a:rPr sz="4800" b="1" dirty="0"/>
               <a:t>Extended Abstract Submission:</a:t>
             </a:r>
             <a:r>
-              <a:rPr dirty="0">
+              <a:rPr sz="4800" dirty="0">
                 <a:solidFill>
                   <a:srgbClr val="000000"/>
                 </a:solidFill>
@@ -4888,10 +4802,26 @@
               <a:t> </a:t>
             </a:r>
             <a:r>
-              <a:rPr dirty="0"/>
-              <a:t>21 April 2019</a:t>
-            </a:r>
-            <a:endParaRPr dirty="0">
+              <a:rPr lang="en-US" sz="4800" dirty="0" smtClean="0"/>
+              <a:t>15 March</a:t>
+            </a:r>
+            <a:r>
+              <a:rPr sz="4800" dirty="0" smtClean="0"/>
+              <a:t> </a:t>
+            </a:r>
+            <a:r>
+              <a:rPr sz="4800" dirty="0"/>
+              <a:t>April </a:t>
+            </a:r>
+            <a:r>
+              <a:rPr sz="4800" dirty="0" smtClean="0"/>
+              <a:t>20</a:t>
+            </a:r>
+            <a:r>
+              <a:rPr lang="en-US" sz="4800" dirty="0" smtClean="0"/>
+              <a:t>20</a:t>
+            </a:r>
+            <a:endParaRPr sz="4800" dirty="0">
               <a:solidFill>
                 <a:srgbClr val="000000"/>
               </a:solidFill>
@@ -4910,11 +4840,11 @@
               </a:defRPr>
             </a:pPr>
             <a:r>
-              <a:rPr b="1" dirty="0"/>
+              <a:rPr sz="4800" b="1" dirty="0"/>
               <a:t>Notification Extended Abstract:</a:t>
             </a:r>
             <a:r>
-              <a:rPr dirty="0">
+              <a:rPr sz="4800" dirty="0">
                 <a:solidFill>
                   <a:srgbClr val="000000"/>
                 </a:solidFill>
@@ -4922,10 +4852,26 @@
               <a:t> </a:t>
             </a:r>
             <a:r>
-              <a:rPr dirty="0"/>
-              <a:t>12 May 2019</a:t>
-            </a:r>
-            <a:endParaRPr dirty="0">
+              <a:rPr lang="en-US" sz="4800" dirty="0" smtClean="0"/>
+              <a:t>1</a:t>
+            </a:r>
+            <a:r>
+              <a:rPr sz="4800" dirty="0" smtClean="0"/>
+              <a:t> </a:t>
+            </a:r>
+            <a:r>
+              <a:rPr sz="4800" dirty="0"/>
+              <a:t>May </a:t>
+            </a:r>
+            <a:r>
+              <a:rPr sz="4800" dirty="0" smtClean="0"/>
+              <a:t>20</a:t>
+            </a:r>
+            <a:r>
+              <a:rPr lang="en-US" sz="4800" dirty="0" smtClean="0"/>
+              <a:t>20</a:t>
+            </a:r>
+            <a:endParaRPr sz="4800" dirty="0">
               <a:solidFill>
                 <a:srgbClr val="000000"/>
               </a:solidFill>
@@ -4944,11 +4890,11 @@
               </a:defRPr>
             </a:pPr>
             <a:r>
-              <a:rPr b="1" dirty="0"/>
+              <a:rPr sz="4800" b="1" dirty="0"/>
               <a:t>Workshop Date:</a:t>
             </a:r>
             <a:r>
-              <a:rPr b="1" dirty="0">
+              <a:rPr sz="4800" b="1" dirty="0">
                 <a:solidFill>
                   <a:srgbClr val="000000"/>
                 </a:solidFill>
@@ -4956,10 +4902,18 @@
               <a:t> </a:t>
             </a:r>
             <a:r>
-              <a:rPr dirty="0"/>
-              <a:t>22 June 2019</a:t>
-            </a:r>
-            <a:endParaRPr dirty="0">
+              <a:rPr lang="en-US" sz="4800" dirty="0" smtClean="0"/>
+              <a:t>30 May</a:t>
+            </a:r>
+            <a:r>
+              <a:rPr sz="4800" dirty="0" smtClean="0"/>
+              <a:t> </a:t>
+            </a:r>
+            <a:r>
+              <a:rPr lang="en-US" sz="4800" dirty="0" smtClean="0"/>
+              <a:t>2020</a:t>
+            </a:r>
+            <a:endParaRPr sz="4800" dirty="0">
               <a:solidFill>
                 <a:srgbClr val="000000"/>
               </a:solidFill>
@@ -4978,11 +4932,11 @@
               </a:defRPr>
             </a:pPr>
             <a:r>
-              <a:rPr b="1" dirty="0"/>
+              <a:rPr sz="4800" b="1" dirty="0"/>
               <a:t>Full Paper Submission:</a:t>
             </a:r>
             <a:r>
-              <a:rPr b="1" dirty="0">
+              <a:rPr sz="4800" b="1" dirty="0">
                 <a:solidFill>
                   <a:srgbClr val="000000"/>
                 </a:solidFill>
@@ -4990,317 +4944,18 @@
               <a:t> </a:t>
             </a:r>
             <a:r>
-              <a:rPr dirty="0"/>
-              <a:t>1 August 2019</a:t>
-            </a:r>
-            <a:endParaRPr dirty="0">
+              <a:rPr sz="4800" dirty="0"/>
+              <a:t>1 August </a:t>
+            </a:r>
+            <a:r>
+              <a:rPr sz="4800" dirty="0" smtClean="0"/>
+              <a:t>2019</a:t>
+            </a:r>
+            <a:endParaRPr sz="4800" dirty="0">
               <a:solidFill>
                 <a:srgbClr val="000000"/>
               </a:solidFill>
             </a:endParaRPr>
-          </a:p>
-          <a:p>
-            <a:pPr algn="l" defTabSz="457200">
-              <a:defRPr sz="4000">
-                <a:solidFill>
-                  <a:srgbClr val="2F3138"/>
-                </a:solidFill>
-                <a:latin typeface="Helvetica"/>
-                <a:ea typeface="Helvetica"/>
-                <a:cs typeface="Helvetica"/>
-                <a:sym typeface="Helvetica"/>
-              </a:defRPr>
-            </a:pPr>
-            <a:r>
-              <a:rPr b="1" dirty="0"/>
-              <a:t>Notification of Full Paper:</a:t>
-            </a:r>
-            <a:r>
-              <a:rPr dirty="0">
-                <a:solidFill>
-                  <a:srgbClr val="000000"/>
-                </a:solidFill>
-              </a:rPr>
-              <a:t> </a:t>
-            </a:r>
-            <a:r>
-              <a:rPr dirty="0"/>
-              <a:t>(tentative) 1 November 2019</a:t>
-            </a:r>
-            <a:endParaRPr dirty="0">
-              <a:solidFill>
-                <a:srgbClr val="000000"/>
-              </a:solidFill>
-            </a:endParaRPr>
-          </a:p>
-          <a:p>
-            <a:pPr algn="l" defTabSz="457200">
-              <a:defRPr sz="4000">
-                <a:solidFill>
-                  <a:srgbClr val="2F3138"/>
-                </a:solidFill>
-                <a:latin typeface="Helvetica"/>
-                <a:ea typeface="Helvetica"/>
-                <a:cs typeface="Helvetica"/>
-                <a:sym typeface="Helvetica"/>
-              </a:defRPr>
-            </a:pPr>
-            <a:r>
-              <a:rPr b="1" dirty="0"/>
-              <a:t>Publication of Full Paper:</a:t>
-            </a:r>
-            <a:r>
-              <a:rPr b="1" dirty="0">
-                <a:solidFill>
-                  <a:srgbClr val="000000"/>
-                </a:solidFill>
-              </a:rPr>
-              <a:t> </a:t>
-            </a:r>
-            <a:r>
-              <a:rPr dirty="0"/>
-              <a:t>(tentative) 1 January 2020</a:t>
-            </a:r>
-          </a:p>
-        </p:txBody>
-      </p:sp>
-      <p:sp>
-        <p:nvSpPr>
-          <p:cNvPr id="176" name="Invited Speakers: To be Confirmed"/>
-          <p:cNvSpPr txBox="1"/>
-          <p:nvPr/>
-        </p:nvSpPr>
-        <p:spPr>
-          <a:xfrm>
-            <a:off x="13556915" y="34463175"/>
-            <a:ext cx="15463253" cy="6011902"/>
-          </a:xfrm>
-          <a:prstGeom prst="rect">
-            <a:avLst/>
-          </a:prstGeom>
-          <a:ln w="12700">
-            <a:miter lim="400000"/>
-          </a:ln>
-          <a:extLst>
-            <a:ext uri="{C572A759-6A51-4108-AA02-DFA0A04FC94B}">
-              <ma14:wrappingTextBoxFlag xmlns="" xmlns:m="http://schemas.openxmlformats.org/officeDocument/2006/math" xmlns:a14="http://schemas.microsoft.com/office/drawing/2010/main" xmlns:ma14="http://schemas.microsoft.com/office/mac/drawingml/2011/main" val="1"/>
-            </a:ext>
-          </a:extLst>
-        </p:spPr>
-        <p:txBody>
-          <a:bodyPr wrap="square" lIns="50800" tIns="50800" rIns="50800" bIns="50800" anchor="ctr">
-            <a:spAutoFit/>
-          </a:bodyPr>
-          <a:lstStyle/>
-          <a:p>
-            <a:pPr algn="l" defTabSz="457200">
-              <a:defRPr sz="4000">
-                <a:solidFill>
-                  <a:srgbClr val="2F3138"/>
-                </a:solidFill>
-                <a:latin typeface="Helvetica"/>
-                <a:ea typeface="Helvetica"/>
-                <a:cs typeface="Helvetica"/>
-                <a:sym typeface="Helvetica"/>
-              </a:defRPr>
-            </a:pPr>
-            <a:r>
-              <a:rPr sz="4800" b="1" dirty="0"/>
-              <a:t>Invited </a:t>
-            </a:r>
-            <a:r>
-              <a:rPr sz="4800" b="1" dirty="0" smtClean="0"/>
-              <a:t>Speakers</a:t>
-            </a:r>
-            <a:r>
-              <a:rPr lang="en-US" sz="4800" dirty="0" smtClean="0"/>
-              <a:t>:</a:t>
-            </a:r>
-            <a:endParaRPr lang="en-DE" sz="4800" dirty="0" smtClean="0"/>
-          </a:p>
-          <a:p>
-            <a:pPr marL="685800" indent="-685800" algn="l" defTabSz="457200">
-              <a:buFontTx/>
-              <a:buChar char="-"/>
-              <a:defRPr sz="4000">
-                <a:solidFill>
-                  <a:srgbClr val="2F3138"/>
-                </a:solidFill>
-                <a:latin typeface="Helvetica"/>
-                <a:ea typeface="Helvetica"/>
-                <a:cs typeface="Helvetica"/>
-                <a:sym typeface="Helvetica"/>
-              </a:defRPr>
-            </a:pPr>
-            <a:r>
-              <a:rPr lang="en-DE" sz="4800" b="1" dirty="0" smtClean="0"/>
-              <a:t>Naomi Nickerson</a:t>
-            </a:r>
-            <a:r>
-              <a:rPr lang="en-DE" sz="4800" dirty="0" smtClean="0"/>
-              <a:t>, PsiQuantum</a:t>
-            </a:r>
-          </a:p>
-          <a:p>
-            <a:pPr marL="685800" indent="-685800" algn="l" defTabSz="457200">
-              <a:buFontTx/>
-              <a:buChar char="-"/>
-              <a:defRPr sz="4000">
-                <a:solidFill>
-                  <a:srgbClr val="2F3138"/>
-                </a:solidFill>
-                <a:latin typeface="Helvetica"/>
-                <a:ea typeface="Helvetica"/>
-                <a:cs typeface="Helvetica"/>
-                <a:sym typeface="Helvetica"/>
-              </a:defRPr>
-            </a:pPr>
-            <a:r>
-              <a:rPr lang="en-US" sz="4800" b="1" dirty="0"/>
-              <a:t>Joseph Fitzsimons</a:t>
-            </a:r>
-            <a:r>
-              <a:rPr lang="en-US" sz="4800" dirty="0"/>
-              <a:t>, </a:t>
-            </a:r>
-            <a:r>
-              <a:rPr lang="en-DE" sz="4800" dirty="0" smtClean="0"/>
-              <a:t>Horizon Quantum</a:t>
-            </a:r>
-          </a:p>
-          <a:p>
-            <a:pPr marL="685800" indent="-685800" algn="l" defTabSz="457200">
-              <a:buFontTx/>
-              <a:buChar char="-"/>
-              <a:defRPr sz="4000">
-                <a:solidFill>
-                  <a:srgbClr val="2F3138"/>
-                </a:solidFill>
-                <a:latin typeface="Helvetica"/>
-                <a:ea typeface="Helvetica"/>
-                <a:cs typeface="Helvetica"/>
-                <a:sym typeface="Helvetica"/>
-              </a:defRPr>
-            </a:pPr>
-            <a:r>
-              <a:rPr lang="en-US" sz="4800" b="1" dirty="0" smtClean="0"/>
-              <a:t>Michael </a:t>
-            </a:r>
-            <a:r>
-              <a:rPr lang="en-US" sz="4800" b="1" dirty="0" err="1" smtClean="0"/>
-              <a:t>Bremner</a:t>
-            </a:r>
-            <a:r>
-              <a:rPr lang="en-US" sz="4800" dirty="0" smtClean="0"/>
-              <a:t>, University of Technology </a:t>
-            </a:r>
-            <a:r>
-              <a:rPr lang="en-US" sz="4800" dirty="0" smtClean="0"/>
-              <a:t>Sydney</a:t>
-            </a:r>
-            <a:endParaRPr lang="en-DE" sz="4800" dirty="0" smtClean="0"/>
-          </a:p>
-          <a:p>
-            <a:pPr marL="685800" indent="-685800" algn="l" defTabSz="457200">
-              <a:buFontTx/>
-              <a:buChar char="-"/>
-              <a:defRPr sz="4000">
-                <a:solidFill>
-                  <a:srgbClr val="2F3138"/>
-                </a:solidFill>
-                <a:latin typeface="Helvetica"/>
-                <a:ea typeface="Helvetica"/>
-                <a:cs typeface="Helvetica"/>
-                <a:sym typeface="Helvetica"/>
-              </a:defRPr>
-            </a:pPr>
-            <a:r>
-              <a:rPr lang="en-US" sz="4800" b="1" dirty="0" smtClean="0"/>
-              <a:t>Craig </a:t>
-            </a:r>
-            <a:r>
-              <a:rPr lang="en-US" sz="4800" b="1" dirty="0" err="1" smtClean="0"/>
-              <a:t>Gidney</a:t>
-            </a:r>
-            <a:r>
-              <a:rPr lang="en-US" sz="4800" dirty="0" smtClean="0"/>
-              <a:t>, </a:t>
-            </a:r>
-            <a:r>
-              <a:rPr lang="en-US" sz="4800" dirty="0" smtClean="0"/>
-              <a:t>Google</a:t>
-            </a:r>
-            <a:endParaRPr lang="en-DE" sz="4800" dirty="0"/>
-          </a:p>
-          <a:p>
-            <a:pPr marL="685800" indent="-685800" algn="l" defTabSz="457200">
-              <a:buFontTx/>
-              <a:buChar char="-"/>
-              <a:defRPr sz="4000">
-                <a:solidFill>
-                  <a:srgbClr val="2F3138"/>
-                </a:solidFill>
-                <a:latin typeface="Helvetica"/>
-                <a:ea typeface="Helvetica"/>
-                <a:cs typeface="Helvetica"/>
-                <a:sym typeface="Helvetica"/>
-              </a:defRPr>
-            </a:pPr>
-            <a:r>
-              <a:rPr lang="en-DE" sz="4800" b="1" dirty="0" smtClean="0"/>
-              <a:t>Daniel Litinski</a:t>
-            </a:r>
-            <a:r>
-              <a:rPr lang="en-DE" sz="4800" dirty="0" smtClean="0"/>
-              <a:t>, Free University, Berlin</a:t>
-            </a:r>
-          </a:p>
-          <a:p>
-            <a:pPr marL="685800" indent="-685800" algn="l" defTabSz="457200">
-              <a:buFontTx/>
-              <a:buChar char="-"/>
-              <a:defRPr sz="4000">
-                <a:solidFill>
-                  <a:srgbClr val="2F3138"/>
-                </a:solidFill>
-                <a:latin typeface="Helvetica"/>
-                <a:ea typeface="Helvetica"/>
-                <a:cs typeface="Helvetica"/>
-                <a:sym typeface="Helvetica"/>
-              </a:defRPr>
-            </a:pPr>
-            <a:r>
-              <a:rPr lang="en-DE" sz="4800" b="1" dirty="0" smtClean="0"/>
-              <a:t>Christian Gogolin</a:t>
-            </a:r>
-            <a:r>
-              <a:rPr lang="en-DE" sz="4800" dirty="0" smtClean="0"/>
-              <a:t>, Covestro</a:t>
-            </a:r>
-          </a:p>
-          <a:p>
-            <a:pPr marL="685800" indent="-685800" algn="l" defTabSz="457200">
-              <a:buFontTx/>
-              <a:buChar char="-"/>
-              <a:defRPr sz="4000">
-                <a:solidFill>
-                  <a:srgbClr val="2F3138"/>
-                </a:solidFill>
-                <a:latin typeface="Helvetica"/>
-                <a:ea typeface="Helvetica"/>
-                <a:cs typeface="Helvetica"/>
-                <a:sym typeface="Helvetica"/>
-              </a:defRPr>
-            </a:pPr>
-            <a:r>
-              <a:rPr lang="en-DE" sz="4800" b="1" dirty="0" smtClean="0"/>
-              <a:t>Scott Aaronson</a:t>
-            </a:r>
-            <a:r>
-              <a:rPr lang="en-DE" sz="4800" dirty="0" smtClean="0"/>
-              <a:t>, UT Austin</a:t>
-            </a:r>
-            <a:endParaRPr lang="en-US" sz="4800" dirty="0" smtClean="0"/>
           </a:p>
         </p:txBody>
       </p:sp>
@@ -5312,8 +4967,8 @@
         </p:nvSpPr>
         <p:spPr>
           <a:xfrm>
-            <a:off x="15537020" y="41038015"/>
-            <a:ext cx="16845677" cy="1764586"/>
+            <a:off x="17067172" y="37449289"/>
+            <a:ext cx="12973050" cy="4534575"/>
           </a:xfrm>
           <a:prstGeom prst="rect">
             <a:avLst/>
@@ -5323,12 +4978,12 @@
           </a:ln>
           <a:extLst>
             <a:ext uri="{C572A759-6A51-4108-AA02-DFA0A04FC94B}">
-              <ma14:wrappingTextBoxFlag xmlns="" xmlns:m="http://schemas.openxmlformats.org/officeDocument/2006/math" xmlns:a14="http://schemas.microsoft.com/office/drawing/2010/main" xmlns:ma14="http://schemas.microsoft.com/office/mac/drawingml/2011/main" val="1"/>
+              <ma14:wrappingTextBoxFlag xmlns:ma14="http://schemas.microsoft.com/office/mac/drawingml/2011/main" xmlns:a14="http://schemas.microsoft.com/office/drawing/2010/main" xmlns:m="http://schemas.openxmlformats.org/officeDocument/2006/math" xmlns="" val="1"/>
             </a:ext>
           </a:extLst>
         </p:spPr>
         <p:txBody>
-          <a:bodyPr lIns="50800" tIns="50800" rIns="50800" bIns="50800" anchor="ctr">
+          <a:bodyPr wrap="square" lIns="50800" tIns="50800" rIns="50800" bIns="50800" anchor="ctr">
             <a:spAutoFit/>
           </a:bodyPr>
           <a:lstStyle/>
@@ -5345,14 +5000,9 @@
               </a:defRPr>
             </a:pPr>
             <a:r>
-              <a:rPr sz="3600" b="1" dirty="0"/>
-              <a:t>Alexandru Paler, </a:t>
-            </a:r>
-            <a:r>
-              <a:rPr sz="3600" dirty="0"/>
-              <a:t>Linz Institute of Technology, Linz, Austria</a:t>
-            </a:r>
-            <a:endParaRPr sz="3600" b="1" dirty="0"/>
+              <a:rPr sz="4800" b="1" dirty="0" smtClean="0"/>
+              <a:t>Alexandru Paler</a:t>
+            </a:r>
           </a:p>
           <a:p>
             <a:pPr algn="l" defTabSz="457200">
@@ -5367,13 +5017,10 @@
               </a:defRPr>
             </a:pPr>
             <a:r>
-              <a:rPr sz="3600" b="1" dirty="0"/>
-              <a:t>Simon Devitt,</a:t>
-            </a:r>
-            <a:r>
-              <a:rPr sz="3600" dirty="0"/>
-              <a:t> University of Technology, Sydney, Australia</a:t>
-            </a:r>
+              <a:rPr sz="4800" dirty="0" smtClean="0"/>
+              <a:t>Linz Institute of Technology, Linz, Austria</a:t>
+            </a:r>
+            <a:endParaRPr sz="4800" b="1" dirty="0" smtClean="0"/>
           </a:p>
           <a:p>
             <a:pPr algn="l" defTabSz="457200">
@@ -5388,21 +5035,75 @@
               </a:defRPr>
             </a:pPr>
             <a:r>
-              <a:rPr sz="3600" b="1" dirty="0"/>
-              <a:t>Daniel Herr,</a:t>
-            </a:r>
-            <a:r>
-              <a:rPr sz="3600" dirty="0"/>
-              <a:t> RIKEN, Wako-</a:t>
-            </a:r>
-            <a:r>
-              <a:rPr sz="3600" dirty="0" err="1"/>
-              <a:t>shi</a:t>
-            </a:r>
-            <a:r>
-              <a:rPr sz="3600" dirty="0"/>
-              <a:t>, Japan</a:t>
-            </a:r>
+              <a:rPr sz="4800" b="1" dirty="0" smtClean="0"/>
+              <a:t>Simon Devitt</a:t>
+            </a:r>
+            <a:endParaRPr sz="4800" dirty="0" smtClean="0"/>
+          </a:p>
+          <a:p>
+            <a:pPr algn="l" defTabSz="457200">
+              <a:defRPr sz="3000">
+                <a:solidFill>
+                  <a:srgbClr val="2F3138"/>
+                </a:solidFill>
+                <a:latin typeface="Helvetica"/>
+                <a:ea typeface="Helvetica"/>
+                <a:cs typeface="Helvetica"/>
+                <a:sym typeface="Helvetica"/>
+              </a:defRPr>
+            </a:pPr>
+            <a:r>
+              <a:rPr sz="4800" dirty="0" smtClean="0"/>
+              <a:t>University of Technology, Sydney, Australia</a:t>
+            </a:r>
+          </a:p>
+          <a:p>
+            <a:pPr algn="l" defTabSz="457200">
+              <a:defRPr sz="3000">
+                <a:solidFill>
+                  <a:srgbClr val="2F3138"/>
+                </a:solidFill>
+                <a:latin typeface="Helvetica"/>
+                <a:ea typeface="Helvetica"/>
+                <a:cs typeface="Helvetica"/>
+                <a:sym typeface="Helvetica"/>
+              </a:defRPr>
+            </a:pPr>
+            <a:r>
+              <a:rPr sz="4800" b="1" dirty="0" smtClean="0"/>
+              <a:t>Daniel Herr</a:t>
+            </a:r>
+            <a:endParaRPr sz="4800" dirty="0" smtClean="0"/>
+          </a:p>
+          <a:p>
+            <a:pPr algn="l" defTabSz="457200">
+              <a:defRPr sz="3000">
+                <a:solidFill>
+                  <a:srgbClr val="2F3138"/>
+                </a:solidFill>
+                <a:latin typeface="Helvetica"/>
+                <a:ea typeface="Helvetica"/>
+                <a:cs typeface="Helvetica"/>
+                <a:sym typeface="Helvetica"/>
+              </a:defRPr>
+            </a:pPr>
+            <a:r>
+              <a:rPr lang="en-DE" sz="4800" dirty="0"/>
+              <a:t>d</a:t>
+            </a:r>
+            <a:r>
+              <a:rPr lang="en-DE" sz="4800" dirty="0" smtClean="0"/>
+              <a:t>-</a:t>
+            </a:r>
+            <a:r>
+              <a:rPr sz="4800" dirty="0" smtClean="0"/>
+              <a:t>fine,</a:t>
+            </a:r>
+            <a:r>
+              <a:rPr sz="4800" dirty="0" smtClean="0"/>
+              <a:t> Zurich, Switzerland</a:t>
+            </a:r>
+            <a:endParaRPr sz="4800" dirty="0"/>
           </a:p>
         </p:txBody>
       </p:sp>
@@ -5414,7 +5115,7 @@
         </p:nvSpPr>
         <p:spPr>
           <a:xfrm flipV="1">
-            <a:off x="236576" y="34288520"/>
+            <a:off x="236576" y="36403070"/>
             <a:ext cx="29803646" cy="194060"/>
           </a:xfrm>
           <a:prstGeom prst="line">
@@ -5444,21 +5145,53 @@
       </p:sp>
       <p:pic>
         <p:nvPicPr>
-          <p:cNvPr id="2" name="Picture 1"/>
+          <p:cNvPr id="4" name="Picture 3"/>
+          <p:cNvPicPr>
+            <a:picLocks noChangeAspect="1"/>
+          </p:cNvPicPr>
+          <p:nvPr/>
+        </p:nvPicPr>
+        <p:blipFill>
+          <a:blip r:embed="rId2"/>
+          <a:stretch>
+            <a:fillRect/>
+          </a:stretch>
+        </p:blipFill>
+        <p:spPr>
+          <a:xfrm>
+            <a:off x="719456" y="40327594"/>
+            <a:ext cx="14856815" cy="2149268"/>
+          </a:xfrm>
+          <a:prstGeom prst="rect">
+            <a:avLst/>
+          </a:prstGeom>
+          <a:ln w="28575">
+            <a:solidFill>
+              <a:schemeClr val="tx2">
+                <a:lumMod val="60000"/>
+                <a:lumOff val="40000"/>
+              </a:schemeClr>
+            </a:solidFill>
+          </a:ln>
+        </p:spPr>
+      </p:pic>
+      <p:pic>
+        <p:nvPicPr>
+          <p:cNvPr id="7" name="Picture 6"/>
           <p:cNvPicPr>
             <a:picLocks noChangeAspect="1"/>
           </p:cNvPicPr>
           <p:nvPr/>
         </p:nvPicPr>
         <p:blipFill rotWithShape="1">
-          <a:blip r:embed="rId2"/>
-          <a:srcRect l="1928" t="24459" r="3366" b="28483"/>
+          <a:blip r:embed="rId3"/>
+          <a:srcRect l="1428" t="35906" r="2866" b="4273"/>
           <a:stretch/>
         </p:blipFill>
         <p:spPr>
           <a:xfrm>
-            <a:off x="706237" y="88455"/>
-            <a:ext cx="29180870" cy="8156143"/>
+            <a:off x="236576" y="189279"/>
+            <a:ext cx="29803646" cy="12455255"/>
           </a:xfrm>
           <a:prstGeom prst="rect">
             <a:avLst/>
@@ -5473,7 +5206,7 @@
         </p:nvSpPr>
         <p:spPr>
           <a:xfrm>
-            <a:off x="7383919" y="5021261"/>
+            <a:off x="7184838" y="10190049"/>
             <a:ext cx="15377608" cy="1333698"/>
           </a:xfrm>
           <a:prstGeom prst="rect">
@@ -5551,38 +5284,6 @@
           </a:p>
         </p:txBody>
       </p:sp>
-      <p:pic>
-        <p:nvPicPr>
-          <p:cNvPr id="4" name="Picture 3"/>
-          <p:cNvPicPr>
-            <a:picLocks noChangeAspect="1"/>
-          </p:cNvPicPr>
-          <p:nvPr/>
-        </p:nvPicPr>
-        <p:blipFill>
-          <a:blip r:embed="rId3"/>
-          <a:stretch>
-            <a:fillRect/>
-          </a:stretch>
-        </p:blipFill>
-        <p:spPr>
-          <a:xfrm>
-            <a:off x="620482" y="40519104"/>
-            <a:ext cx="14856815" cy="2149268"/>
-          </a:xfrm>
-          <a:prstGeom prst="rect">
-            <a:avLst/>
-          </a:prstGeom>
-          <a:ln w="28575">
-            <a:solidFill>
-              <a:schemeClr val="tx2">
-                <a:lumMod val="60000"/>
-                <a:lumOff val="40000"/>
-              </a:schemeClr>
-            </a:solidFill>
-          </a:ln>
-        </p:spPr>
-      </p:pic>
     </p:spTree>
   </p:cSld>
   <p:clrMapOvr>

--- a/QRE2020.pptx
+++ b/QRE2020.pptx
@@ -3122,7 +3122,7 @@
           </a:ln>
           <a:extLst>
             <a:ext uri="{C572A759-6A51-4108-AA02-DFA0A04FC94B}">
-              <ma14:wrappingTextBoxFlag xmlns:ma14="http://schemas.microsoft.com/office/mac/drawingml/2011/main" xmlns:a14="http://schemas.microsoft.com/office/drawing/2010/main" xmlns:m="http://schemas.openxmlformats.org/officeDocument/2006/math" xmlns="" val="1"/>
+              <ma14:wrappingTextBoxFlag xmlns="" xmlns:m="http://schemas.openxmlformats.org/officeDocument/2006/math" xmlns:a14="http://schemas.microsoft.com/office/drawing/2010/main" xmlns:ma14="http://schemas.microsoft.com/office/mac/drawingml/2011/main" val="1"/>
             </a:ext>
           </a:extLst>
         </p:spPr>
@@ -3159,7 +3159,7 @@
           </a:ln>
           <a:extLst>
             <a:ext uri="{C572A759-6A51-4108-AA02-DFA0A04FC94B}">
-              <ma14:wrappingTextBoxFlag xmlns:ma14="http://schemas.microsoft.com/office/mac/drawingml/2011/main" xmlns:a14="http://schemas.microsoft.com/office/drawing/2010/main" xmlns:m="http://schemas.openxmlformats.org/officeDocument/2006/math" xmlns="" val="1"/>
+              <ma14:wrappingTextBoxFlag xmlns="" xmlns:m="http://schemas.openxmlformats.org/officeDocument/2006/math" xmlns:a14="http://schemas.microsoft.com/office/drawing/2010/main" xmlns:ma14="http://schemas.microsoft.com/office/mac/drawingml/2011/main" val="1"/>
             </a:ext>
           </a:extLst>
         </p:spPr>
@@ -4108,7 +4108,7 @@
           </a:ln>
           <a:extLst>
             <a:ext uri="{C572A759-6A51-4108-AA02-DFA0A04FC94B}">
-              <ma14:wrappingTextBoxFlag xmlns:ma14="http://schemas.microsoft.com/office/mac/drawingml/2011/main" xmlns:a14="http://schemas.microsoft.com/office/drawing/2010/main" xmlns:m="http://schemas.openxmlformats.org/officeDocument/2006/math" xmlns="" val="1"/>
+              <ma14:wrappingTextBoxFlag xmlns="" xmlns:m="http://schemas.openxmlformats.org/officeDocument/2006/math" xmlns:a14="http://schemas.microsoft.com/office/drawing/2010/main" xmlns:ma14="http://schemas.microsoft.com/office/mac/drawingml/2011/main" val="1"/>
             </a:ext>
           </a:extLst>
         </p:spPr>
@@ -4757,8 +4757,8 @@
         </p:nvSpPr>
         <p:spPr>
           <a:xfrm>
-            <a:off x="620482" y="36884549"/>
-            <a:ext cx="16845677" cy="3057247"/>
+            <a:off x="766208" y="36827720"/>
+            <a:ext cx="18924818" cy="3795911"/>
           </a:xfrm>
           <a:prstGeom prst="rect">
             <a:avLst/>
@@ -4768,12 +4768,12 @@
           </a:ln>
           <a:extLst>
             <a:ext uri="{C572A759-6A51-4108-AA02-DFA0A04FC94B}">
-              <ma14:wrappingTextBoxFlag xmlns:ma14="http://schemas.microsoft.com/office/mac/drawingml/2011/main" xmlns:a14="http://schemas.microsoft.com/office/drawing/2010/main" xmlns:m="http://schemas.openxmlformats.org/officeDocument/2006/math" xmlns="" val="1"/>
+              <ma14:wrappingTextBoxFlag xmlns="" xmlns:m="http://schemas.openxmlformats.org/officeDocument/2006/math" xmlns:a14="http://schemas.microsoft.com/office/drawing/2010/main" xmlns:ma14="http://schemas.microsoft.com/office/mac/drawingml/2011/main" val="1"/>
             </a:ext>
           </a:extLst>
         </p:spPr>
         <p:txBody>
-          <a:bodyPr lIns="50800" tIns="50800" rIns="50800" bIns="50800" anchor="ctr">
+          <a:bodyPr wrap="square" lIns="50800" tIns="50800" rIns="50800" bIns="50800" anchor="ctr">
             <a:spAutoFit/>
           </a:bodyPr>
           <a:lstStyle/>
@@ -4790,11 +4790,11 @@
               </a:defRPr>
             </a:pPr>
             <a:r>
-              <a:rPr sz="4800" b="1" dirty="0"/>
+              <a:rPr sz="6000" b="1" dirty="0"/>
               <a:t>Extended Abstract Submission:</a:t>
             </a:r>
             <a:r>
-              <a:rPr sz="4800" dirty="0">
+              <a:rPr sz="6000" dirty="0">
                 <a:solidFill>
                   <a:srgbClr val="000000"/>
                 </a:solidFill>
@@ -4802,26 +4802,30 @@
               <a:t> </a:t>
             </a:r>
             <a:r>
-              <a:rPr lang="en-US" sz="4800" dirty="0" smtClean="0"/>
-              <a:t>15 March</a:t>
-            </a:r>
-            <a:r>
-              <a:rPr sz="4800" dirty="0" smtClean="0"/>
+              <a:rPr lang="en-US" sz="6000" dirty="0" smtClean="0"/>
+              <a:t>30 </a:t>
+            </a:r>
+            <a:r>
+              <a:rPr lang="en-US" sz="6000" dirty="0" smtClean="0"/>
+              <a:t>March</a:t>
+            </a:r>
+            <a:r>
+              <a:rPr sz="6000" dirty="0" smtClean="0"/>
               <a:t> </a:t>
             </a:r>
             <a:r>
-              <a:rPr sz="4800" dirty="0"/>
+              <a:rPr sz="6000" dirty="0"/>
               <a:t>April </a:t>
             </a:r>
             <a:r>
-              <a:rPr sz="4800" dirty="0" smtClean="0"/>
+              <a:rPr sz="6000" dirty="0" smtClean="0"/>
               <a:t>20</a:t>
             </a:r>
             <a:r>
-              <a:rPr lang="en-US" sz="4800" dirty="0" smtClean="0"/>
+              <a:rPr lang="en-US" sz="6000" dirty="0" smtClean="0"/>
               <a:t>20</a:t>
             </a:r>
-            <a:endParaRPr sz="4800" dirty="0">
+            <a:endParaRPr sz="6000" dirty="0">
               <a:solidFill>
                 <a:srgbClr val="000000"/>
               </a:solidFill>
@@ -4840,11 +4844,11 @@
               </a:defRPr>
             </a:pPr>
             <a:r>
-              <a:rPr sz="4800" b="1" dirty="0"/>
+              <a:rPr sz="6000" b="1" dirty="0"/>
               <a:t>Notification Extended Abstract:</a:t>
             </a:r>
             <a:r>
-              <a:rPr sz="4800" dirty="0">
+              <a:rPr sz="6000" dirty="0">
                 <a:solidFill>
                   <a:srgbClr val="000000"/>
                 </a:solidFill>
@@ -4852,26 +4856,26 @@
               <a:t> </a:t>
             </a:r>
             <a:r>
-              <a:rPr lang="en-US" sz="4800" dirty="0" smtClean="0"/>
-              <a:t>1</a:t>
-            </a:r>
-            <a:r>
-              <a:rPr sz="4800" dirty="0" smtClean="0"/>
+              <a:rPr lang="en-US" sz="6000" dirty="0" smtClean="0">
+                <a:solidFill>
+                  <a:srgbClr val="2F3138"/>
+                </a:solidFill>
+              </a:rPr>
+              <a:t>22 April</a:t>
+            </a:r>
+            <a:r>
+              <a:rPr sz="6000" dirty="0" smtClean="0"/>
               <a:t> </a:t>
             </a:r>
             <a:r>
-              <a:rPr sz="4800" dirty="0"/>
-              <a:t>May </a:t>
-            </a:r>
-            <a:r>
-              <a:rPr sz="4800" dirty="0" smtClean="0"/>
+              <a:rPr sz="6000" dirty="0" smtClean="0"/>
               <a:t>20</a:t>
             </a:r>
             <a:r>
-              <a:rPr lang="en-US" sz="4800" dirty="0" smtClean="0"/>
+              <a:rPr lang="en-US" sz="6000" dirty="0" smtClean="0"/>
               <a:t>20</a:t>
             </a:r>
-            <a:endParaRPr sz="4800" dirty="0">
+            <a:endParaRPr sz="6000" dirty="0">
               <a:solidFill>
                 <a:srgbClr val="000000"/>
               </a:solidFill>
@@ -4890,11 +4894,11 @@
               </a:defRPr>
             </a:pPr>
             <a:r>
-              <a:rPr sz="4800" b="1" dirty="0"/>
+              <a:rPr sz="6000" b="1" dirty="0"/>
               <a:t>Workshop Date:</a:t>
             </a:r>
             <a:r>
-              <a:rPr sz="4800" b="1" dirty="0">
+              <a:rPr sz="6000" b="1" dirty="0">
                 <a:solidFill>
                   <a:srgbClr val="000000"/>
                 </a:solidFill>
@@ -4902,18 +4906,18 @@
               <a:t> </a:t>
             </a:r>
             <a:r>
-              <a:rPr lang="en-US" sz="4800" dirty="0" smtClean="0"/>
+              <a:rPr lang="en-US" sz="6000" dirty="0" smtClean="0"/>
               <a:t>30 May</a:t>
             </a:r>
             <a:r>
-              <a:rPr sz="4800" dirty="0" smtClean="0"/>
+              <a:rPr sz="6000" dirty="0" smtClean="0"/>
               <a:t> </a:t>
             </a:r>
             <a:r>
-              <a:rPr lang="en-US" sz="4800" dirty="0" smtClean="0"/>
+              <a:rPr lang="en-US" sz="6000" dirty="0" smtClean="0"/>
               <a:t>2020</a:t>
             </a:r>
-            <a:endParaRPr sz="4800" dirty="0">
+            <a:endParaRPr sz="6000" dirty="0">
               <a:solidFill>
                 <a:srgbClr val="000000"/>
               </a:solidFill>
@@ -4932,11 +4936,11 @@
               </a:defRPr>
             </a:pPr>
             <a:r>
-              <a:rPr sz="4800" b="1" dirty="0"/>
+              <a:rPr sz="6000" b="1" dirty="0"/>
               <a:t>Full Paper Submission:</a:t>
             </a:r>
             <a:r>
-              <a:rPr sz="4800" b="1" dirty="0">
+              <a:rPr sz="6000" b="1" dirty="0">
                 <a:solidFill>
                   <a:srgbClr val="000000"/>
                 </a:solidFill>
@@ -4944,166 +4948,18 @@
               <a:t> </a:t>
             </a:r>
             <a:r>
-              <a:rPr sz="4800" dirty="0"/>
+              <a:rPr sz="6000" dirty="0"/>
               <a:t>1 August </a:t>
             </a:r>
             <a:r>
-              <a:rPr sz="4800" dirty="0" smtClean="0"/>
+              <a:rPr sz="6000" dirty="0" smtClean="0"/>
               <a:t>2019</a:t>
             </a:r>
-            <a:endParaRPr sz="4800" dirty="0">
+            <a:endParaRPr sz="6000" dirty="0">
               <a:solidFill>
                 <a:srgbClr val="000000"/>
               </a:solidFill>
             </a:endParaRPr>
-          </a:p>
-        </p:txBody>
-      </p:sp>
-      <p:sp>
-        <p:nvSpPr>
-          <p:cNvPr id="178" name="Alexandru Paler, Linz Institute of Technology, Linz, Austria…"/>
-          <p:cNvSpPr txBox="1"/>
-          <p:nvPr/>
-        </p:nvSpPr>
-        <p:spPr>
-          <a:xfrm>
-            <a:off x="17067172" y="37449289"/>
-            <a:ext cx="12973050" cy="4534575"/>
-          </a:xfrm>
-          <a:prstGeom prst="rect">
-            <a:avLst/>
-          </a:prstGeom>
-          <a:ln w="12700">
-            <a:miter lim="400000"/>
-          </a:ln>
-          <a:extLst>
-            <a:ext uri="{C572A759-6A51-4108-AA02-DFA0A04FC94B}">
-              <ma14:wrappingTextBoxFlag xmlns:ma14="http://schemas.microsoft.com/office/mac/drawingml/2011/main" xmlns:a14="http://schemas.microsoft.com/office/drawing/2010/main" xmlns:m="http://schemas.openxmlformats.org/officeDocument/2006/math" xmlns="" val="1"/>
-            </a:ext>
-          </a:extLst>
-        </p:spPr>
-        <p:txBody>
-          <a:bodyPr wrap="square" lIns="50800" tIns="50800" rIns="50800" bIns="50800" anchor="ctr">
-            <a:spAutoFit/>
-          </a:bodyPr>
-          <a:lstStyle/>
-          <a:p>
-            <a:pPr algn="l" defTabSz="457200">
-              <a:defRPr sz="3000">
-                <a:solidFill>
-                  <a:srgbClr val="2F3138"/>
-                </a:solidFill>
-                <a:latin typeface="Helvetica"/>
-                <a:ea typeface="Helvetica"/>
-                <a:cs typeface="Helvetica"/>
-                <a:sym typeface="Helvetica"/>
-              </a:defRPr>
-            </a:pPr>
-            <a:r>
-              <a:rPr sz="4800" b="1" dirty="0" smtClean="0"/>
-              <a:t>Alexandru Paler</a:t>
-            </a:r>
-          </a:p>
-          <a:p>
-            <a:pPr algn="l" defTabSz="457200">
-              <a:defRPr sz="3000">
-                <a:solidFill>
-                  <a:srgbClr val="2F3138"/>
-                </a:solidFill>
-                <a:latin typeface="Helvetica"/>
-                <a:ea typeface="Helvetica"/>
-                <a:cs typeface="Helvetica"/>
-                <a:sym typeface="Helvetica"/>
-              </a:defRPr>
-            </a:pPr>
-            <a:r>
-              <a:rPr sz="4800" dirty="0" smtClean="0"/>
-              <a:t>Linz Institute of Technology, Linz, Austria</a:t>
-            </a:r>
-            <a:endParaRPr sz="4800" b="1" dirty="0" smtClean="0"/>
-          </a:p>
-          <a:p>
-            <a:pPr algn="l" defTabSz="457200">
-              <a:defRPr sz="3000">
-                <a:solidFill>
-                  <a:srgbClr val="2F3138"/>
-                </a:solidFill>
-                <a:latin typeface="Helvetica"/>
-                <a:ea typeface="Helvetica"/>
-                <a:cs typeface="Helvetica"/>
-                <a:sym typeface="Helvetica"/>
-              </a:defRPr>
-            </a:pPr>
-            <a:r>
-              <a:rPr sz="4800" b="1" dirty="0" smtClean="0"/>
-              <a:t>Simon Devitt</a:t>
-            </a:r>
-            <a:endParaRPr sz="4800" dirty="0" smtClean="0"/>
-          </a:p>
-          <a:p>
-            <a:pPr algn="l" defTabSz="457200">
-              <a:defRPr sz="3000">
-                <a:solidFill>
-                  <a:srgbClr val="2F3138"/>
-                </a:solidFill>
-                <a:latin typeface="Helvetica"/>
-                <a:ea typeface="Helvetica"/>
-                <a:cs typeface="Helvetica"/>
-                <a:sym typeface="Helvetica"/>
-              </a:defRPr>
-            </a:pPr>
-            <a:r>
-              <a:rPr sz="4800" dirty="0" smtClean="0"/>
-              <a:t>University of Technology, Sydney, Australia</a:t>
-            </a:r>
-          </a:p>
-          <a:p>
-            <a:pPr algn="l" defTabSz="457200">
-              <a:defRPr sz="3000">
-                <a:solidFill>
-                  <a:srgbClr val="2F3138"/>
-                </a:solidFill>
-                <a:latin typeface="Helvetica"/>
-                <a:ea typeface="Helvetica"/>
-                <a:cs typeface="Helvetica"/>
-                <a:sym typeface="Helvetica"/>
-              </a:defRPr>
-            </a:pPr>
-            <a:r>
-              <a:rPr sz="4800" b="1" dirty="0" smtClean="0"/>
-              <a:t>Daniel Herr</a:t>
-            </a:r>
-            <a:endParaRPr sz="4800" dirty="0" smtClean="0"/>
-          </a:p>
-          <a:p>
-            <a:pPr algn="l" defTabSz="457200">
-              <a:defRPr sz="3000">
-                <a:solidFill>
-                  <a:srgbClr val="2F3138"/>
-                </a:solidFill>
-                <a:latin typeface="Helvetica"/>
-                <a:ea typeface="Helvetica"/>
-                <a:cs typeface="Helvetica"/>
-                <a:sym typeface="Helvetica"/>
-              </a:defRPr>
-            </a:pPr>
-            <a:r>
-              <a:rPr lang="en-DE" sz="4800" dirty="0"/>
-              <a:t>d</a:t>
-            </a:r>
-            <a:r>
-              <a:rPr lang="en-DE" sz="4800" dirty="0" smtClean="0"/>
-              <a:t>-</a:t>
-            </a:r>
-            <a:r>
-              <a:rPr sz="4800" dirty="0" smtClean="0"/>
-              <a:t>fine,</a:t>
-            </a:r>
-            <a:r>
-              <a:rPr sz="4800" dirty="0" smtClean="0"/>
-              <a:t> Zurich, Switzerland</a:t>
-            </a:r>
-            <a:endParaRPr sz="4800" dirty="0"/>
           </a:p>
         </p:txBody>
       </p:sp>
@@ -5159,7 +5015,7 @@
         </p:blipFill>
         <p:spPr>
           <a:xfrm>
-            <a:off x="719456" y="40327594"/>
+            <a:off x="15192187" y="39548997"/>
             <a:ext cx="14856815" cy="2149268"/>
           </a:xfrm>
           <a:prstGeom prst="rect">
